--- a/cafe-HibariFes/カフェ構想♪.pptx
+++ b/cafe-HibariFes/カフェ構想♪.pptx
@@ -6156,14 +6156,87 @@
             <p:ph type="subTitle" idx="1"/>
           </p:nvPr>
         </p:nvSpPr>
-        <p:spPr/>
+        <p:spPr>
+          <a:xfrm>
+            <a:off x="1507067" y="4050833"/>
+            <a:ext cx="8025122" cy="2289582"/>
+          </a:xfrm>
+        </p:spPr>
         <p:txBody>
           <a:bodyPr>
-            <a:normAutofit/>
+            <a:normAutofit lnSpcReduction="10000"/>
           </a:bodyPr>
           <a:lstStyle/>
           <a:p>
             <a:pPr algn="r"/>
+            <a:r>
+              <a:rPr kumimoji="1" lang="en-US" altLang="ja-JP" dirty="0" smtClean="0"/>
+              <a:t>21511128</a:t>
+            </a:r>
+            <a:r>
+              <a:rPr kumimoji="1" lang="ja-JP" altLang="en-US" dirty="0" smtClean="0"/>
+              <a:t>　今　建太</a:t>
+            </a:r>
+            <a:endParaRPr kumimoji="1" lang="en-US" altLang="ja-JP" dirty="0" smtClean="0"/>
+          </a:p>
+          <a:p>
+            <a:pPr algn="r"/>
+            <a:r>
+              <a:rPr lang="en-US" altLang="ja-JP" dirty="0" smtClean="0"/>
+              <a:t>21511033</a:t>
+            </a:r>
+            <a:r>
+              <a:rPr lang="ja-JP" altLang="en-US" dirty="0" smtClean="0"/>
+              <a:t>　今関　俊介</a:t>
+            </a:r>
+            <a:endParaRPr lang="en-US" altLang="ja-JP" dirty="0" smtClean="0"/>
+          </a:p>
+          <a:p>
+            <a:pPr algn="r"/>
+            <a:r>
+              <a:rPr kumimoji="1" lang="en-US" altLang="ja-JP" dirty="0" smtClean="0"/>
+              <a:t>21511186</a:t>
+            </a:r>
+            <a:r>
+              <a:rPr kumimoji="1" lang="ja-JP" altLang="en-US" dirty="0" smtClean="0"/>
+              <a:t>　高橋　歩夢</a:t>
+            </a:r>
+            <a:endParaRPr kumimoji="1" lang="en-US" altLang="ja-JP" dirty="0" smtClean="0"/>
+          </a:p>
+          <a:p>
+            <a:pPr algn="r"/>
+            <a:r>
+              <a:rPr lang="en-US" altLang="ja-JP" dirty="0" smtClean="0"/>
+              <a:t>21511171</a:t>
+            </a:r>
+            <a:r>
+              <a:rPr lang="ja-JP" altLang="en-US" dirty="0" smtClean="0"/>
+              <a:t>　鈴木　悠哉</a:t>
+            </a:r>
+            <a:endParaRPr lang="en-US" altLang="ja-JP" dirty="0" smtClean="0"/>
+          </a:p>
+          <a:p>
+            <a:pPr algn="r"/>
+            <a:r>
+              <a:rPr kumimoji="1" lang="en-US" altLang="ja-JP" dirty="0" smtClean="0"/>
+              <a:t>21511203</a:t>
+            </a:r>
+            <a:r>
+              <a:rPr kumimoji="1" lang="ja-JP" altLang="en-US" dirty="0" smtClean="0"/>
+              <a:t>　玉木　真悟　</a:t>
+            </a:r>
+            <a:endParaRPr kumimoji="1" lang="en-US" altLang="ja-JP" dirty="0" smtClean="0"/>
+          </a:p>
+          <a:p>
+            <a:pPr algn="r"/>
+            <a:r>
+              <a:rPr lang="en-US" altLang="ja-JP" dirty="0" smtClean="0"/>
+              <a:t>21511152</a:t>
+            </a:r>
+            <a:r>
+              <a:rPr lang="ja-JP" altLang="en-US" dirty="0" smtClean="0"/>
+              <a:t>　嶋﨑　慧</a:t>
+            </a:r>
             <a:endParaRPr kumimoji="1" lang="ja-JP" altLang="en-US" dirty="0"/>
           </a:p>
         </p:txBody>
